--- a/Code/Template_powerpoint.pptx
+++ b/Code/Template_powerpoint.pptx
@@ -8359,7 +8359,7 @@
             <a:pPr lvl="0"/>
             <a:r>
               <a:rPr/>
-              <a:t>the name and email adress cannot be set in the yaml (because ), but can changed hard in the template.</a:t>
+              <a:t>the name and email adress cannot be set in the yaml (because powerpoint does not seem to have placeholders that communicate these fields with quarto), but can changed hard in the template.</a:t>
             </a:r>
           </a:p>
         </p:txBody>
